--- a/Sports league management.pptx
+++ b/Sports league management.pptx
@@ -9110,7 +9110,7 @@
               <a:pPr>
                 <a:defRPr/>
               </a:pPr>
-              <a:t>10/27/2021</a:t>
+              <a:t>10/28/2021</a:t>
             </a:fld>
             <a:endParaRPr lang="en-US"/>
           </a:p>
@@ -11270,7 +11270,7 @@
               <a:pPr>
                 <a:defRPr/>
               </a:pPr>
-              <a:t>10/27/2021</a:t>
+              <a:t>10/28/2021</a:t>
             </a:fld>
             <a:endParaRPr lang="en-US"/>
           </a:p>
@@ -11708,7 +11708,7 @@
               <a:pPr>
                 <a:defRPr/>
               </a:pPr>
-              <a:t>10/27/2021</a:t>
+              <a:t>10/28/2021</a:t>
             </a:fld>
             <a:endParaRPr lang="en-US"/>
           </a:p>
@@ -11998,7 +11998,7 @@
               <a:pPr>
                 <a:defRPr/>
               </a:pPr>
-              <a:t>10/27/2021</a:t>
+              <a:t>10/28/2021</a:t>
             </a:fld>
             <a:endParaRPr lang="en-US"/>
           </a:p>
@@ -12272,7 +12272,7 @@
               <a:pPr>
                 <a:defRPr/>
               </a:pPr>
-              <a:t>10/27/2021</a:t>
+              <a:t>10/28/2021</a:t>
             </a:fld>
             <a:endParaRPr lang="en-US"/>
           </a:p>
@@ -12681,7 +12681,7 @@
               <a:pPr>
                 <a:defRPr/>
               </a:pPr>
-              <a:t>10/27/2021</a:t>
+              <a:t>10/28/2021</a:t>
             </a:fld>
             <a:endParaRPr lang="en-US"/>
           </a:p>
@@ -12843,7 +12843,7 @@
               <a:pPr>
                 <a:defRPr/>
               </a:pPr>
-              <a:t>10/27/2021</a:t>
+              <a:t>10/28/2021</a:t>
             </a:fld>
             <a:endParaRPr lang="en-US"/>
           </a:p>
@@ -12983,7 +12983,7 @@
               <a:pPr>
                 <a:defRPr/>
               </a:pPr>
-              <a:t>10/27/2021</a:t>
+              <a:t>10/28/2021</a:t>
             </a:fld>
             <a:endParaRPr lang="en-US"/>
           </a:p>
@@ -13303,7 +13303,7 @@
               <a:pPr>
                 <a:defRPr/>
               </a:pPr>
-              <a:t>10/27/2021</a:t>
+              <a:t>10/28/2021</a:t>
             </a:fld>
             <a:endParaRPr lang="en-US"/>
           </a:p>
@@ -13603,7 +13603,7 @@
               <a:pPr>
                 <a:defRPr/>
               </a:pPr>
-              <a:t>10/27/2021</a:t>
+              <a:t>10/28/2021</a:t>
             </a:fld>
             <a:endParaRPr lang="en-US"/>
           </a:p>
@@ -13816,7 +13816,7 @@
               <a:pPr>
                 <a:defRPr/>
               </a:pPr>
-              <a:t>10/27/2021</a:t>
+              <a:t>10/28/2021</a:t>
             </a:fld>
             <a:endParaRPr lang="en-US"/>
           </a:p>
@@ -14039,7 +14039,7 @@
               <a:pPr>
                 <a:defRPr/>
               </a:pPr>
-              <a:t>10/27/2021</a:t>
+              <a:t>10/28/2021</a:t>
             </a:fld>
             <a:endParaRPr lang="en-US"/>
           </a:p>
@@ -14596,7 +14596,7 @@
               <a:pPr>
                 <a:defRPr/>
               </a:pPr>
-              <a:t>10/27/2021</a:t>
+              <a:t>10/28/2021</a:t>
             </a:fld>
             <a:endParaRPr lang="en-US"/>
           </a:p>
@@ -14809,7 +14809,7 @@
               <a:pPr>
                 <a:defRPr/>
               </a:pPr>
-              <a:t>10/27/2021</a:t>
+              <a:t>10/28/2021</a:t>
             </a:fld>
             <a:endParaRPr lang="en-US"/>
           </a:p>
@@ -15099,7 +15099,7 @@
               <a:pPr>
                 <a:defRPr/>
               </a:pPr>
-              <a:t>10/27/2021</a:t>
+              <a:t>10/28/2021</a:t>
             </a:fld>
             <a:endParaRPr lang="en-US"/>
           </a:p>
@@ -15373,7 +15373,7 @@
               <a:pPr>
                 <a:defRPr/>
               </a:pPr>
-              <a:t>10/27/2021</a:t>
+              <a:t>10/28/2021</a:t>
             </a:fld>
             <a:endParaRPr lang="en-US"/>
           </a:p>
@@ -15782,7 +15782,7 @@
               <a:pPr>
                 <a:defRPr/>
               </a:pPr>
-              <a:t>10/27/2021</a:t>
+              <a:t>10/28/2021</a:t>
             </a:fld>
             <a:endParaRPr lang="en-US"/>
           </a:p>
@@ -15944,7 +15944,7 @@
               <a:pPr>
                 <a:defRPr/>
               </a:pPr>
-              <a:t>10/27/2021</a:t>
+              <a:t>10/28/2021</a:t>
             </a:fld>
             <a:endParaRPr lang="en-US"/>
           </a:p>
@@ -16084,7 +16084,7 @@
               <a:pPr>
                 <a:defRPr/>
               </a:pPr>
-              <a:t>10/27/2021</a:t>
+              <a:t>10/28/2021</a:t>
             </a:fld>
             <a:endParaRPr lang="en-US"/>
           </a:p>
@@ -16404,7 +16404,7 @@
               <a:pPr>
                 <a:defRPr/>
               </a:pPr>
-              <a:t>10/27/2021</a:t>
+              <a:t>10/28/2021</a:t>
             </a:fld>
             <a:endParaRPr lang="en-US"/>
           </a:p>
@@ -16704,7 +16704,7 @@
               <a:pPr>
                 <a:defRPr/>
               </a:pPr>
-              <a:t>10/27/2021</a:t>
+              <a:t>10/28/2021</a:t>
             </a:fld>
             <a:endParaRPr lang="en-US"/>
           </a:p>
@@ -16917,7 +16917,7 @@
               <a:pPr>
                 <a:defRPr/>
               </a:pPr>
-              <a:t>10/27/2021</a:t>
+              <a:t>10/28/2021</a:t>
             </a:fld>
             <a:endParaRPr lang="en-US"/>
           </a:p>
@@ -17512,7 +17512,7 @@
               <a:pPr>
                 <a:defRPr/>
               </a:pPr>
-              <a:t>10/27/2021</a:t>
+              <a:t>10/28/2021</a:t>
             </a:fld>
             <a:endParaRPr lang="en-US"/>
           </a:p>
@@ -17747,7 +17747,7 @@
               <a:pPr>
                 <a:defRPr/>
               </a:pPr>
-              <a:t>10/27/2021</a:t>
+              <a:t>10/28/2021</a:t>
             </a:fld>
             <a:endParaRPr lang="en-US"/>
           </a:p>
@@ -17960,7 +17960,7 @@
               <a:pPr>
                 <a:defRPr/>
               </a:pPr>
-              <a:t>10/27/2021</a:t>
+              <a:t>10/28/2021</a:t>
             </a:fld>
             <a:endParaRPr lang="en-US"/>
           </a:p>
@@ -18250,7 +18250,7 @@
               <a:pPr>
                 <a:defRPr/>
               </a:pPr>
-              <a:t>10/27/2021</a:t>
+              <a:t>10/28/2021</a:t>
             </a:fld>
             <a:endParaRPr lang="en-US"/>
           </a:p>
@@ -18524,7 +18524,7 @@
               <a:pPr>
                 <a:defRPr/>
               </a:pPr>
-              <a:t>10/27/2021</a:t>
+              <a:t>10/28/2021</a:t>
             </a:fld>
             <a:endParaRPr lang="en-US"/>
           </a:p>
@@ -18933,7 +18933,7 @@
               <a:pPr>
                 <a:defRPr/>
               </a:pPr>
-              <a:t>10/27/2021</a:t>
+              <a:t>10/28/2021</a:t>
             </a:fld>
             <a:endParaRPr lang="en-US"/>
           </a:p>
@@ -19095,7 +19095,7 @@
               <a:pPr>
                 <a:defRPr/>
               </a:pPr>
-              <a:t>10/27/2021</a:t>
+              <a:t>10/28/2021</a:t>
             </a:fld>
             <a:endParaRPr lang="en-US"/>
           </a:p>
@@ -19235,7 +19235,7 @@
               <a:pPr>
                 <a:defRPr/>
               </a:pPr>
-              <a:t>10/27/2021</a:t>
+              <a:t>10/28/2021</a:t>
             </a:fld>
             <a:endParaRPr lang="en-US"/>
           </a:p>
@@ -19555,7 +19555,7 @@
               <a:pPr>
                 <a:defRPr/>
               </a:pPr>
-              <a:t>10/27/2021</a:t>
+              <a:t>10/28/2021</a:t>
             </a:fld>
             <a:endParaRPr lang="en-US"/>
           </a:p>
@@ -19855,7 +19855,7 @@
               <a:pPr>
                 <a:defRPr/>
               </a:pPr>
-              <a:t>10/27/2021</a:t>
+              <a:t>10/28/2021</a:t>
             </a:fld>
             <a:endParaRPr lang="en-US"/>
           </a:p>
@@ -20580,7 +20580,7 @@
               <a:pPr>
                 <a:defRPr/>
               </a:pPr>
-              <a:t>10/27/2021</a:t>
+              <a:t>10/28/2021</a:t>
             </a:fld>
             <a:endParaRPr lang="en-US"/>
           </a:p>
@@ -20803,7 +20803,7 @@
               <a:pPr>
                 <a:defRPr/>
               </a:pPr>
-              <a:t>10/27/2021</a:t>
+              <a:t>10/28/2021</a:t>
             </a:fld>
             <a:endParaRPr lang="en-US"/>
           </a:p>
@@ -21046,7 +21046,7 @@
               <a:pPr>
                 <a:defRPr/>
               </a:pPr>
-              <a:t>27-10-2021</a:t>
+              <a:t>28-10-2021</a:t>
             </a:fld>
             <a:endParaRPr lang="en-IN"/>
           </a:p>
@@ -21277,7 +21277,7 @@
               <a:pPr>
                 <a:defRPr/>
               </a:pPr>
-              <a:t>27-10-2021</a:t>
+              <a:t>28-10-2021</a:t>
             </a:fld>
             <a:endParaRPr lang="en-IN"/>
           </a:p>
@@ -21574,7 +21574,7 @@
               <a:pPr>
                 <a:defRPr/>
               </a:pPr>
-              <a:t>27-10-2021</a:t>
+              <a:t>28-10-2021</a:t>
             </a:fld>
             <a:endParaRPr lang="en-IN"/>
           </a:p>
@@ -21865,7 +21865,7 @@
               <a:pPr>
                 <a:defRPr/>
               </a:pPr>
-              <a:t>27-10-2021</a:t>
+              <a:t>28-10-2021</a:t>
             </a:fld>
             <a:endParaRPr lang="en-IN"/>
           </a:p>
@@ -22292,7 +22292,7 @@
               <a:pPr>
                 <a:defRPr/>
               </a:pPr>
-              <a:t>27-10-2021</a:t>
+              <a:t>28-10-2021</a:t>
             </a:fld>
             <a:endParaRPr lang="en-IN"/>
           </a:p>
@@ -22463,7 +22463,7 @@
               <a:pPr>
                 <a:defRPr/>
               </a:pPr>
-              <a:t>27-10-2021</a:t>
+              <a:t>28-10-2021</a:t>
             </a:fld>
             <a:endParaRPr lang="en-IN"/>
           </a:p>
@@ -22603,7 +22603,7 @@
               <a:pPr>
                 <a:defRPr/>
               </a:pPr>
-              <a:t>27-10-2021</a:t>
+              <a:t>28-10-2021</a:t>
             </a:fld>
             <a:endParaRPr lang="en-IN"/>
           </a:p>
@@ -22934,7 +22934,7 @@
               <a:pPr>
                 <a:defRPr/>
               </a:pPr>
-              <a:t>27-10-2021</a:t>
+              <a:t>28-10-2021</a:t>
             </a:fld>
             <a:endParaRPr lang="en-IN"/>
           </a:p>
@@ -23438,7 +23438,7 @@
               <a:pPr>
                 <a:defRPr/>
               </a:pPr>
-              <a:t>27-10-2021</a:t>
+              <a:t>28-10-2021</a:t>
             </a:fld>
             <a:endParaRPr lang="en-IN"/>
           </a:p>
@@ -23669,7 +23669,7 @@
               <a:pPr>
                 <a:defRPr/>
               </a:pPr>
-              <a:t>27-10-2021</a:t>
+              <a:t>28-10-2021</a:t>
             </a:fld>
             <a:endParaRPr lang="en-IN"/>
           </a:p>
@@ -23900,7 +23900,7 @@
               <a:pPr>
                 <a:defRPr/>
               </a:pPr>
-              <a:t>27-10-2021</a:t>
+              <a:t>28-10-2021</a:t>
             </a:fld>
             <a:endParaRPr lang="en-IN"/>
           </a:p>
@@ -25429,7 +25429,7 @@
               <a:pPr>
                 <a:defRPr/>
               </a:pPr>
-              <a:t>10/27/2021</a:t>
+              <a:t>10/28/2021</a:t>
             </a:fld>
             <a:endParaRPr lang="en-US"/>
           </a:p>
@@ -26218,7 +26218,7 @@
               <a:pPr>
                 <a:defRPr/>
               </a:pPr>
-              <a:t>10/27/2021</a:t>
+              <a:t>10/28/2021</a:t>
             </a:fld>
             <a:endParaRPr lang="en-US"/>
           </a:p>
@@ -27007,7 +27007,7 @@
               <a:pPr>
                 <a:defRPr/>
               </a:pPr>
-              <a:t>10/27/2021</a:t>
+              <a:t>10/28/2021</a:t>
             </a:fld>
             <a:endParaRPr lang="en-US"/>
           </a:p>
@@ -27640,7 +27640,7 @@
               <a:pPr>
                 <a:defRPr/>
               </a:pPr>
-              <a:t>27-10-2021</a:t>
+              <a:t>28-10-2021</a:t>
             </a:fld>
             <a:endParaRPr lang="en-IN"/>
           </a:p>
@@ -28808,8 +28808,8 @@
         </p:blipFill>
         <p:spPr>
           <a:xfrm>
-            <a:off x="982739" y="1600200"/>
-            <a:ext cx="7178521" cy="4525963"/>
+            <a:off x="399600" y="1230868"/>
+            <a:ext cx="8208000" cy="5175036"/>
           </a:xfrm>
         </p:spPr>
       </p:pic>
@@ -28958,8 +28958,8 @@
         </p:blipFill>
         <p:spPr>
           <a:xfrm>
-            <a:off x="1660793" y="1600200"/>
-            <a:ext cx="5822414" cy="4525963"/>
+            <a:off x="1220400" y="1230868"/>
+            <a:ext cx="6961804" cy="5411650"/>
           </a:xfrm>
         </p:spPr>
       </p:pic>
@@ -29108,8 +29108,8 @@
         </p:blipFill>
         <p:spPr>
           <a:xfrm>
-            <a:off x="457200" y="1819141"/>
-            <a:ext cx="8229600" cy="4088080"/>
+            <a:off x="-1" y="1819140"/>
+            <a:ext cx="9161611" cy="4551060"/>
           </a:xfrm>
         </p:spPr>
       </p:pic>
@@ -31301,8 +31301,8 @@
         </p:blipFill>
         <p:spPr>
           <a:xfrm>
-            <a:off x="1349823" y="1600200"/>
-            <a:ext cx="6444354" cy="4525963"/>
+            <a:off x="1015200" y="1230868"/>
+            <a:ext cx="7707278" cy="5412932"/>
           </a:xfrm>
         </p:spPr>
       </p:pic>
@@ -31371,56 +31371,6 @@
           <a:chExt cx="0" cy="0"/>
         </a:xfrm>
       </p:grpSpPr>
-      <p:sp>
-        <p:nvSpPr>
-          <p:cNvPr id="2" name="Title 1">
-            <a:extLst>
-              <a:ext uri="{FF2B5EF4-FFF2-40B4-BE49-F238E27FC236}">
-                <a16:creationId xmlns:a16="http://schemas.microsoft.com/office/drawing/2014/main" id="{D6F0B795-1090-4DA2-AF3C-9A01991F8448}"/>
-              </a:ext>
-            </a:extLst>
-          </p:cNvPr>
-          <p:cNvSpPr>
-            <a:spLocks noGrp="1"/>
-          </p:cNvSpPr>
-          <p:nvPr>
-            <p:ph type="title" idx="4294967295"/>
-          </p:nvPr>
-        </p:nvSpPr>
-        <p:spPr>
-          <a:xfrm>
-            <a:off x="1152000" y="145801"/>
-            <a:ext cx="7797600" cy="957599"/>
-          </a:xfrm>
-          <a:prstGeom prst="rect">
-            <a:avLst/>
-          </a:prstGeom>
-        </p:spPr>
-        <p:txBody>
-          <a:bodyPr vert="horz" anchor="ctr"/>
-          <a:lstStyle/>
-          <a:p>
-            <a:pPr rtl="0" eaLnBrk="0" fontAlgn="base" hangingPunct="0"/>
-            <a:r>
-              <a:rPr lang="en-IN" sz="3200" b="1" kern="1200" dirty="0">
-                <a:solidFill>
-                  <a:srgbClr val="000000"/>
-                </a:solidFill>
-                <a:effectLst/>
-                <a:latin typeface="Arial" panose="020B0604020202020204" pitchFamily="34" charset="0"/>
-                <a:ea typeface="+mn-ea"/>
-                <a:cs typeface="Arial" panose="020B0604020202020204" pitchFamily="34" charset="0"/>
-              </a:rPr>
-              <a:t>System Architecture / Flow Chart / 2</a:t>
-            </a:r>
-            <a:endParaRPr lang="en-US" dirty="0">
-              <a:effectLst/>
-              <a:latin typeface="Arial" panose="020B0604020202020204" pitchFamily="34" charset="0"/>
-              <a:cs typeface="Arial" panose="020B0604020202020204" pitchFamily="34" charset="0"/>
-            </a:endParaRPr>
-          </a:p>
-        </p:txBody>
-      </p:sp>
       <p:pic>
         <p:nvPicPr>
           <p:cNvPr id="5" name="Content Placeholder 4">
@@ -31445,16 +31395,66 @@
               </a:ext>
             </a:extLst>
           </a:blip>
-          <a:srcRect b="15766"/>
+          <a:srcRect t="8830" b="15766"/>
           <a:stretch/>
         </p:blipFill>
         <p:spPr>
           <a:xfrm>
-            <a:off x="1425600" y="1727668"/>
-            <a:ext cx="6111526" cy="4769998"/>
+            <a:off x="1152000" y="1230868"/>
+            <a:ext cx="7797600" cy="5447980"/>
           </a:xfrm>
         </p:spPr>
       </p:pic>
+      <p:sp>
+        <p:nvSpPr>
+          <p:cNvPr id="2" name="Title 1">
+            <a:extLst>
+              <a:ext uri="{FF2B5EF4-FFF2-40B4-BE49-F238E27FC236}">
+                <a16:creationId xmlns:a16="http://schemas.microsoft.com/office/drawing/2014/main" id="{D6F0B795-1090-4DA2-AF3C-9A01991F8448}"/>
+              </a:ext>
+            </a:extLst>
+          </p:cNvPr>
+          <p:cNvSpPr>
+            <a:spLocks noGrp="1"/>
+          </p:cNvSpPr>
+          <p:nvPr>
+            <p:ph type="title" idx="4294967295"/>
+          </p:nvPr>
+        </p:nvSpPr>
+        <p:spPr>
+          <a:xfrm>
+            <a:off x="1152000" y="145801"/>
+            <a:ext cx="7797600" cy="957599"/>
+          </a:xfrm>
+          <a:prstGeom prst="rect">
+            <a:avLst/>
+          </a:prstGeom>
+        </p:spPr>
+        <p:txBody>
+          <a:bodyPr vert="horz" anchor="ctr"/>
+          <a:lstStyle/>
+          <a:p>
+            <a:pPr rtl="0" eaLnBrk="0" fontAlgn="base" hangingPunct="0"/>
+            <a:r>
+              <a:rPr lang="en-IN" sz="3200" b="1" kern="1200" dirty="0">
+                <a:solidFill>
+                  <a:srgbClr val="000000"/>
+                </a:solidFill>
+                <a:effectLst/>
+                <a:latin typeface="Arial" panose="020B0604020202020204" pitchFamily="34" charset="0"/>
+                <a:ea typeface="+mn-ea"/>
+                <a:cs typeface="Arial" panose="020B0604020202020204" pitchFamily="34" charset="0"/>
+              </a:rPr>
+              <a:t>System Architecture / Flow Chart / 2</a:t>
+            </a:r>
+            <a:endParaRPr lang="en-US" dirty="0">
+              <a:effectLst/>
+              <a:latin typeface="Arial" panose="020B0604020202020204" pitchFamily="34" charset="0"/>
+              <a:cs typeface="Arial" panose="020B0604020202020204" pitchFamily="34" charset="0"/>
+            </a:endParaRPr>
+          </a:p>
+        </p:txBody>
+      </p:sp>
       <p:sp>
         <p:nvSpPr>
           <p:cNvPr id="6" name="TextBox 5">

--- a/Sports league management.pptx
+++ b/Sports league management.pptx
@@ -3518,8 +3518,8 @@
         <a:lstStyle/>
         <a:p>
           <a:r>
-            <a:rPr lang="en-US"/>
-            <a:t>JRE 17</a:t>
+            <a:rPr lang="en-US" dirty="0"/>
+            <a:t>JDK 17</a:t>
           </a:r>
         </a:p>
       </dgm:t>
@@ -3744,10 +3744,24 @@
     <dgm:pt modelId="{EA19D368-B2F5-4F47-802D-2CA448F3CB70}" type="parTrans" cxnId="{336857BF-425D-401C-AF9E-6D7AF7B50A66}">
       <dgm:prSet/>
       <dgm:spPr/>
+      <dgm:t>
+        <a:bodyPr/>
+        <a:lstStyle/>
+        <a:p>
+          <a:endParaRPr lang="en-US"/>
+        </a:p>
+      </dgm:t>
     </dgm:pt>
     <dgm:pt modelId="{7124520F-7F36-4D6D-A5DE-B2CF43F30EAC}" type="sibTrans" cxnId="{336857BF-425D-401C-AF9E-6D7AF7B50A66}">
       <dgm:prSet/>
       <dgm:spPr/>
+      <dgm:t>
+        <a:bodyPr/>
+        <a:lstStyle/>
+        <a:p>
+          <a:endParaRPr lang="en-US"/>
+        </a:p>
+      </dgm:t>
     </dgm:pt>
     <dgm:pt modelId="{A7BC58AB-0312-4AF6-B51E-C2D08F65C299}" type="pres">
       <dgm:prSet presAssocID="{9CBFDC6A-7482-4ED4-902C-4B2D423A159D}" presName="linear" presStyleCnt="0">
@@ -5115,8 +5129,8 @@
             <a:buChar char="•"/>
           </a:pPr>
           <a:r>
-            <a:rPr lang="en-US" sz="2500" kern="1200"/>
-            <a:t>JRE 17</a:t>
+            <a:rPr lang="en-US" sz="2500" kern="1200" dirty="0"/>
+            <a:t>JDK 17</a:t>
           </a:r>
         </a:p>
         <a:p>
@@ -9110,7 +9124,7 @@
               <a:pPr>
                 <a:defRPr/>
               </a:pPr>
-              <a:t>10/28/2021</a:t>
+              <a:t>10/29/2021</a:t>
             </a:fld>
             <a:endParaRPr lang="en-US"/>
           </a:p>
@@ -11270,7 +11284,7 @@
               <a:pPr>
                 <a:defRPr/>
               </a:pPr>
-              <a:t>10/28/2021</a:t>
+              <a:t>10/29/2021</a:t>
             </a:fld>
             <a:endParaRPr lang="en-US"/>
           </a:p>
@@ -11708,7 +11722,7 @@
               <a:pPr>
                 <a:defRPr/>
               </a:pPr>
-              <a:t>10/28/2021</a:t>
+              <a:t>10/29/2021</a:t>
             </a:fld>
             <a:endParaRPr lang="en-US"/>
           </a:p>
@@ -11998,7 +12012,7 @@
               <a:pPr>
                 <a:defRPr/>
               </a:pPr>
-              <a:t>10/28/2021</a:t>
+              <a:t>10/29/2021</a:t>
             </a:fld>
             <a:endParaRPr lang="en-US"/>
           </a:p>
@@ -12272,7 +12286,7 @@
               <a:pPr>
                 <a:defRPr/>
               </a:pPr>
-              <a:t>10/28/2021</a:t>
+              <a:t>10/29/2021</a:t>
             </a:fld>
             <a:endParaRPr lang="en-US"/>
           </a:p>
@@ -12681,7 +12695,7 @@
               <a:pPr>
                 <a:defRPr/>
               </a:pPr>
-              <a:t>10/28/2021</a:t>
+              <a:t>10/29/2021</a:t>
             </a:fld>
             <a:endParaRPr lang="en-US"/>
           </a:p>
@@ -12843,7 +12857,7 @@
               <a:pPr>
                 <a:defRPr/>
               </a:pPr>
-              <a:t>10/28/2021</a:t>
+              <a:t>10/29/2021</a:t>
             </a:fld>
             <a:endParaRPr lang="en-US"/>
           </a:p>
@@ -12983,7 +12997,7 @@
               <a:pPr>
                 <a:defRPr/>
               </a:pPr>
-              <a:t>10/28/2021</a:t>
+              <a:t>10/29/2021</a:t>
             </a:fld>
             <a:endParaRPr lang="en-US"/>
           </a:p>
@@ -13303,7 +13317,7 @@
               <a:pPr>
                 <a:defRPr/>
               </a:pPr>
-              <a:t>10/28/2021</a:t>
+              <a:t>10/29/2021</a:t>
             </a:fld>
             <a:endParaRPr lang="en-US"/>
           </a:p>
@@ -13603,7 +13617,7 @@
               <a:pPr>
                 <a:defRPr/>
               </a:pPr>
-              <a:t>10/28/2021</a:t>
+              <a:t>10/29/2021</a:t>
             </a:fld>
             <a:endParaRPr lang="en-US"/>
           </a:p>
@@ -13816,7 +13830,7 @@
               <a:pPr>
                 <a:defRPr/>
               </a:pPr>
-              <a:t>10/28/2021</a:t>
+              <a:t>10/29/2021</a:t>
             </a:fld>
             <a:endParaRPr lang="en-US"/>
           </a:p>
@@ -14039,7 +14053,7 @@
               <a:pPr>
                 <a:defRPr/>
               </a:pPr>
-              <a:t>10/28/2021</a:t>
+              <a:t>10/29/2021</a:t>
             </a:fld>
             <a:endParaRPr lang="en-US"/>
           </a:p>
@@ -14596,7 +14610,7 @@
               <a:pPr>
                 <a:defRPr/>
               </a:pPr>
-              <a:t>10/28/2021</a:t>
+              <a:t>10/29/2021</a:t>
             </a:fld>
             <a:endParaRPr lang="en-US"/>
           </a:p>
@@ -14809,7 +14823,7 @@
               <a:pPr>
                 <a:defRPr/>
               </a:pPr>
-              <a:t>10/28/2021</a:t>
+              <a:t>10/29/2021</a:t>
             </a:fld>
             <a:endParaRPr lang="en-US"/>
           </a:p>
@@ -15099,7 +15113,7 @@
               <a:pPr>
                 <a:defRPr/>
               </a:pPr>
-              <a:t>10/28/2021</a:t>
+              <a:t>10/29/2021</a:t>
             </a:fld>
             <a:endParaRPr lang="en-US"/>
           </a:p>
@@ -15373,7 +15387,7 @@
               <a:pPr>
                 <a:defRPr/>
               </a:pPr>
-              <a:t>10/28/2021</a:t>
+              <a:t>10/29/2021</a:t>
             </a:fld>
             <a:endParaRPr lang="en-US"/>
           </a:p>
@@ -15782,7 +15796,7 @@
               <a:pPr>
                 <a:defRPr/>
               </a:pPr>
-              <a:t>10/28/2021</a:t>
+              <a:t>10/29/2021</a:t>
             </a:fld>
             <a:endParaRPr lang="en-US"/>
           </a:p>
@@ -15944,7 +15958,7 @@
               <a:pPr>
                 <a:defRPr/>
               </a:pPr>
-              <a:t>10/28/2021</a:t>
+              <a:t>10/29/2021</a:t>
             </a:fld>
             <a:endParaRPr lang="en-US"/>
           </a:p>
@@ -16084,7 +16098,7 @@
               <a:pPr>
                 <a:defRPr/>
               </a:pPr>
-              <a:t>10/28/2021</a:t>
+              <a:t>10/29/2021</a:t>
             </a:fld>
             <a:endParaRPr lang="en-US"/>
           </a:p>
@@ -16404,7 +16418,7 @@
               <a:pPr>
                 <a:defRPr/>
               </a:pPr>
-              <a:t>10/28/2021</a:t>
+              <a:t>10/29/2021</a:t>
             </a:fld>
             <a:endParaRPr lang="en-US"/>
           </a:p>
@@ -16704,7 +16718,7 @@
               <a:pPr>
                 <a:defRPr/>
               </a:pPr>
-              <a:t>10/28/2021</a:t>
+              <a:t>10/29/2021</a:t>
             </a:fld>
             <a:endParaRPr lang="en-US"/>
           </a:p>
@@ -16917,7 +16931,7 @@
               <a:pPr>
                 <a:defRPr/>
               </a:pPr>
-              <a:t>10/28/2021</a:t>
+              <a:t>10/29/2021</a:t>
             </a:fld>
             <a:endParaRPr lang="en-US"/>
           </a:p>
@@ -17512,7 +17526,7 @@
               <a:pPr>
                 <a:defRPr/>
               </a:pPr>
-              <a:t>10/28/2021</a:t>
+              <a:t>10/29/2021</a:t>
             </a:fld>
             <a:endParaRPr lang="en-US"/>
           </a:p>
@@ -17747,7 +17761,7 @@
               <a:pPr>
                 <a:defRPr/>
               </a:pPr>
-              <a:t>10/28/2021</a:t>
+              <a:t>10/29/2021</a:t>
             </a:fld>
             <a:endParaRPr lang="en-US"/>
           </a:p>
@@ -17960,7 +17974,7 @@
               <a:pPr>
                 <a:defRPr/>
               </a:pPr>
-              <a:t>10/28/2021</a:t>
+              <a:t>10/29/2021</a:t>
             </a:fld>
             <a:endParaRPr lang="en-US"/>
           </a:p>
@@ -18250,7 +18264,7 @@
               <a:pPr>
                 <a:defRPr/>
               </a:pPr>
-              <a:t>10/28/2021</a:t>
+              <a:t>10/29/2021</a:t>
             </a:fld>
             <a:endParaRPr lang="en-US"/>
           </a:p>
@@ -18524,7 +18538,7 @@
               <a:pPr>
                 <a:defRPr/>
               </a:pPr>
-              <a:t>10/28/2021</a:t>
+              <a:t>10/29/2021</a:t>
             </a:fld>
             <a:endParaRPr lang="en-US"/>
           </a:p>
@@ -18933,7 +18947,7 @@
               <a:pPr>
                 <a:defRPr/>
               </a:pPr>
-              <a:t>10/28/2021</a:t>
+              <a:t>10/29/2021</a:t>
             </a:fld>
             <a:endParaRPr lang="en-US"/>
           </a:p>
@@ -19095,7 +19109,7 @@
               <a:pPr>
                 <a:defRPr/>
               </a:pPr>
-              <a:t>10/28/2021</a:t>
+              <a:t>10/29/2021</a:t>
             </a:fld>
             <a:endParaRPr lang="en-US"/>
           </a:p>
@@ -19235,7 +19249,7 @@
               <a:pPr>
                 <a:defRPr/>
               </a:pPr>
-              <a:t>10/28/2021</a:t>
+              <a:t>10/29/2021</a:t>
             </a:fld>
             <a:endParaRPr lang="en-US"/>
           </a:p>
@@ -19555,7 +19569,7 @@
               <a:pPr>
                 <a:defRPr/>
               </a:pPr>
-              <a:t>10/28/2021</a:t>
+              <a:t>10/29/2021</a:t>
             </a:fld>
             <a:endParaRPr lang="en-US"/>
           </a:p>
@@ -19855,7 +19869,7 @@
               <a:pPr>
                 <a:defRPr/>
               </a:pPr>
-              <a:t>10/28/2021</a:t>
+              <a:t>10/29/2021</a:t>
             </a:fld>
             <a:endParaRPr lang="en-US"/>
           </a:p>
@@ -20580,7 +20594,7 @@
               <a:pPr>
                 <a:defRPr/>
               </a:pPr>
-              <a:t>10/28/2021</a:t>
+              <a:t>10/29/2021</a:t>
             </a:fld>
             <a:endParaRPr lang="en-US"/>
           </a:p>
@@ -20803,7 +20817,7 @@
               <a:pPr>
                 <a:defRPr/>
               </a:pPr>
-              <a:t>10/28/2021</a:t>
+              <a:t>10/29/2021</a:t>
             </a:fld>
             <a:endParaRPr lang="en-US"/>
           </a:p>
@@ -21046,7 +21060,7 @@
               <a:pPr>
                 <a:defRPr/>
               </a:pPr>
-              <a:t>28-10-2021</a:t>
+              <a:t>29-10-2021</a:t>
             </a:fld>
             <a:endParaRPr lang="en-IN"/>
           </a:p>
@@ -21277,7 +21291,7 @@
               <a:pPr>
                 <a:defRPr/>
               </a:pPr>
-              <a:t>28-10-2021</a:t>
+              <a:t>29-10-2021</a:t>
             </a:fld>
             <a:endParaRPr lang="en-IN"/>
           </a:p>
@@ -21574,7 +21588,7 @@
               <a:pPr>
                 <a:defRPr/>
               </a:pPr>
-              <a:t>28-10-2021</a:t>
+              <a:t>29-10-2021</a:t>
             </a:fld>
             <a:endParaRPr lang="en-IN"/>
           </a:p>
@@ -21865,7 +21879,7 @@
               <a:pPr>
                 <a:defRPr/>
               </a:pPr>
-              <a:t>28-10-2021</a:t>
+              <a:t>29-10-2021</a:t>
             </a:fld>
             <a:endParaRPr lang="en-IN"/>
           </a:p>
@@ -22292,7 +22306,7 @@
               <a:pPr>
                 <a:defRPr/>
               </a:pPr>
-              <a:t>28-10-2021</a:t>
+              <a:t>29-10-2021</a:t>
             </a:fld>
             <a:endParaRPr lang="en-IN"/>
           </a:p>
@@ -22463,7 +22477,7 @@
               <a:pPr>
                 <a:defRPr/>
               </a:pPr>
-              <a:t>28-10-2021</a:t>
+              <a:t>29-10-2021</a:t>
             </a:fld>
             <a:endParaRPr lang="en-IN"/>
           </a:p>
@@ -22603,7 +22617,7 @@
               <a:pPr>
                 <a:defRPr/>
               </a:pPr>
-              <a:t>28-10-2021</a:t>
+              <a:t>29-10-2021</a:t>
             </a:fld>
             <a:endParaRPr lang="en-IN"/>
           </a:p>
@@ -22934,7 +22948,7 @@
               <a:pPr>
                 <a:defRPr/>
               </a:pPr>
-              <a:t>28-10-2021</a:t>
+              <a:t>29-10-2021</a:t>
             </a:fld>
             <a:endParaRPr lang="en-IN"/>
           </a:p>
@@ -23438,7 +23452,7 @@
               <a:pPr>
                 <a:defRPr/>
               </a:pPr>
-              <a:t>28-10-2021</a:t>
+              <a:t>29-10-2021</a:t>
             </a:fld>
             <a:endParaRPr lang="en-IN"/>
           </a:p>
@@ -23669,7 +23683,7 @@
               <a:pPr>
                 <a:defRPr/>
               </a:pPr>
-              <a:t>28-10-2021</a:t>
+              <a:t>29-10-2021</a:t>
             </a:fld>
             <a:endParaRPr lang="en-IN"/>
           </a:p>
@@ -23900,7 +23914,7 @@
               <a:pPr>
                 <a:defRPr/>
               </a:pPr>
-              <a:t>28-10-2021</a:t>
+              <a:t>29-10-2021</a:t>
             </a:fld>
             <a:endParaRPr lang="en-IN"/>
           </a:p>
@@ -25429,7 +25443,7 @@
               <a:pPr>
                 <a:defRPr/>
               </a:pPr>
-              <a:t>10/28/2021</a:t>
+              <a:t>10/29/2021</a:t>
             </a:fld>
             <a:endParaRPr lang="en-US"/>
           </a:p>
@@ -26218,7 +26232,7 @@
               <a:pPr>
                 <a:defRPr/>
               </a:pPr>
-              <a:t>10/28/2021</a:t>
+              <a:t>10/29/2021</a:t>
             </a:fld>
             <a:endParaRPr lang="en-US"/>
           </a:p>
@@ -27007,7 +27021,7 @@
               <a:pPr>
                 <a:defRPr/>
               </a:pPr>
-              <a:t>10/28/2021</a:t>
+              <a:t>10/29/2021</a:t>
             </a:fld>
             <a:endParaRPr lang="en-US"/>
           </a:p>
@@ -27640,7 +27654,7 @@
               <a:pPr>
                 <a:defRPr/>
               </a:pPr>
-              <a:t>28-10-2021</a:t>
+              <a:t>29-10-2021</a:t>
             </a:fld>
             <a:endParaRPr lang="en-IN"/>
           </a:p>
@@ -29521,7 +29535,7 @@
           <p:nvPr>
             <p:extLst>
               <p:ext uri="{D42A27DB-BD31-4B8C-83A1-F6EECF244321}">
-                <p14:modId xmlns:p14="http://schemas.microsoft.com/office/powerpoint/2010/main" val="2444863161"/>
+                <p14:modId xmlns:p14="http://schemas.microsoft.com/office/powerpoint/2010/main" val="3874560632"/>
               </p:ext>
             </p:extLst>
           </p:nvPr>
